--- a/Theworldofgamings.pptx
+++ b/Theworldofgamings.pptx
@@ -3414,7 +3414,11 @@
           <a:bodyPr/>
           <a:lstStyle/>
           <a:p>
-            <a:endParaRPr lang="en-US"/>
+            <a:r>
+              <a:rPr lang="en-US" dirty="0" smtClean="0"/>
+              <a:t>Conclusion</a:t>
+            </a:r>
+            <a:endParaRPr lang="en-US" dirty="0"/>
           </a:p>
         </p:txBody>
       </p:sp>
@@ -3433,7 +3437,18 @@
           <a:bodyPr/>
           <a:lstStyle/>
           <a:p>
-            <a:endParaRPr lang="en-US"/>
+            <a:pPr marL="0" indent="0">
+              <a:buNone/>
+            </a:pPr>
+            <a:r>
+              <a:rPr lang="en-US" dirty="0" smtClean="0"/>
+              <a:t>Without the invention of the internet, I wouldn’t be able to make friends from half way around the world and interact with people I never thought I would have before. With the internet I can explore worlds I wouldn’t have seen before and at the same time have fun with </a:t>
+            </a:r>
+            <a:r>
+              <a:rPr lang="en-US" smtClean="0"/>
+              <a:t>my friends.</a:t>
+            </a:r>
+            <a:endParaRPr lang="en-US" dirty="0"/>
           </a:p>
         </p:txBody>
       </p:sp>
